--- a/slides/Michigan_talk.pptx
+++ b/slides/Michigan_talk.pptx
@@ -314,7 +314,7 @@
           <a:p>
             <a:fld id="{7E37B48D-A559-6F41-A85D-9198382D8E74}" type="datetime1">
               <a:rPr lang="en-US" smtClean="0"/>
-              <a:t>11/13/15</a:t>
+              <a:t>11/18/15</a:t>
             </a:fld>
             <a:endParaRPr lang="en-US"/>
           </a:p>
@@ -480,7 +480,7 @@
           <a:p>
             <a:fld id="{A07269D8-8511-224D-9EC2-608B032B74D9}" type="datetime1">
               <a:rPr lang="en-US" smtClean="0"/>
-              <a:t>11/13/15</a:t>
+              <a:t>11/18/15</a:t>
             </a:fld>
             <a:endParaRPr lang="en-US"/>
           </a:p>
@@ -2270,7 +2270,7 @@
           <a:p>
             <a:fld id="{6BFECD78-3C8E-49F2-8FAB-59489D168ABB}" type="datetimeFigureOut">
               <a:rPr lang="en-US" smtClean="0"/>
-              <a:t>11/13/15</a:t>
+              <a:t>11/18/15</a:t>
             </a:fld>
             <a:endParaRPr lang="en-US"/>
           </a:p>
@@ -2440,7 +2440,7 @@
           <a:p>
             <a:fld id="{6BFECD78-3C8E-49F2-8FAB-59489D168ABB}" type="datetimeFigureOut">
               <a:rPr lang="en-US" smtClean="0"/>
-              <a:t>11/13/15</a:t>
+              <a:t>11/18/15</a:t>
             </a:fld>
             <a:endParaRPr lang="en-US"/>
           </a:p>
@@ -2620,7 +2620,7 @@
           <a:p>
             <a:fld id="{6BFECD78-3C8E-49F2-8FAB-59489D168ABB}" type="datetimeFigureOut">
               <a:rPr lang="en-US" smtClean="0"/>
-              <a:t>11/13/15</a:t>
+              <a:t>11/18/15</a:t>
             </a:fld>
             <a:endParaRPr lang="en-US"/>
           </a:p>
@@ -2790,7 +2790,7 @@
           <a:p>
             <a:fld id="{6BFECD78-3C8E-49F2-8FAB-59489D168ABB}" type="datetimeFigureOut">
               <a:rPr lang="en-US" smtClean="0"/>
-              <a:t>11/13/15</a:t>
+              <a:t>11/18/15</a:t>
             </a:fld>
             <a:endParaRPr lang="en-US"/>
           </a:p>
@@ -3036,7 +3036,7 @@
           <a:p>
             <a:fld id="{6BFECD78-3C8E-49F2-8FAB-59489D168ABB}" type="datetimeFigureOut">
               <a:rPr lang="en-US" smtClean="0"/>
-              <a:t>11/13/15</a:t>
+              <a:t>11/18/15</a:t>
             </a:fld>
             <a:endParaRPr lang="en-US"/>
           </a:p>
@@ -3324,7 +3324,7 @@
           <a:p>
             <a:fld id="{6BFECD78-3C8E-49F2-8FAB-59489D168ABB}" type="datetimeFigureOut">
               <a:rPr lang="en-US" smtClean="0"/>
-              <a:t>11/13/15</a:t>
+              <a:t>11/18/15</a:t>
             </a:fld>
             <a:endParaRPr lang="en-US"/>
           </a:p>
@@ -3746,7 +3746,7 @@
           <a:p>
             <a:fld id="{6BFECD78-3C8E-49F2-8FAB-59489D168ABB}" type="datetimeFigureOut">
               <a:rPr lang="en-US" smtClean="0"/>
-              <a:t>11/13/15</a:t>
+              <a:t>11/18/15</a:t>
             </a:fld>
             <a:endParaRPr lang="en-US"/>
           </a:p>
@@ -3864,7 +3864,7 @@
           <a:p>
             <a:fld id="{6BFECD78-3C8E-49F2-8FAB-59489D168ABB}" type="datetimeFigureOut">
               <a:rPr lang="en-US" smtClean="0"/>
-              <a:t>11/13/15</a:t>
+              <a:t>11/18/15</a:t>
             </a:fld>
             <a:endParaRPr lang="en-US"/>
           </a:p>
@@ -3959,7 +3959,7 @@
           <a:p>
             <a:fld id="{6BFECD78-3C8E-49F2-8FAB-59489D168ABB}" type="datetimeFigureOut">
               <a:rPr lang="en-US" smtClean="0"/>
-              <a:t>11/13/15</a:t>
+              <a:t>11/18/15</a:t>
             </a:fld>
             <a:endParaRPr lang="en-US"/>
           </a:p>
@@ -4236,7 +4236,7 @@
           <a:p>
             <a:fld id="{6BFECD78-3C8E-49F2-8FAB-59489D168ABB}" type="datetimeFigureOut">
               <a:rPr lang="en-US" smtClean="0"/>
-              <a:t>11/13/15</a:t>
+              <a:t>11/18/15</a:t>
             </a:fld>
             <a:endParaRPr lang="en-US"/>
           </a:p>
@@ -4493,7 +4493,7 @@
           <a:p>
             <a:fld id="{6BFECD78-3C8E-49F2-8FAB-59489D168ABB}" type="datetimeFigureOut">
               <a:rPr lang="en-US" smtClean="0"/>
-              <a:t>11/13/15</a:t>
+              <a:t>11/18/15</a:t>
             </a:fld>
             <a:endParaRPr lang="en-US"/>
           </a:p>
@@ -4706,7 +4706,7 @@
           <a:p>
             <a:fld id="{6BFECD78-3C8E-49F2-8FAB-59489D168ABB}" type="datetimeFigureOut">
               <a:rPr lang="en-US" smtClean="0"/>
-              <a:t>11/13/15</a:t>
+              <a:t>11/18/15</a:t>
             </a:fld>
             <a:endParaRPr lang="en-US"/>
           </a:p>
@@ -5262,7 +5262,11 @@
             <a:pPr algn="ctr"/>
             <a:r>
               <a:rPr lang="en-US" sz="2200" dirty="0" smtClean="0"/>
-              <a:t>University of Astronomy Lunch Talk: November 18</a:t>
+              <a:t>November </a:t>
+            </a:r>
+            <a:r>
+              <a:rPr lang="en-US" sz="2200" dirty="0" smtClean="0"/>
+              <a:t>18</a:t>
             </a:r>
             <a:r>
               <a:rPr lang="en-US" sz="2200" baseline="30000" dirty="0" smtClean="0"/>
@@ -5270,11 +5274,7 @@
             </a:r>
             <a:r>
               <a:rPr lang="en-US" sz="2200" dirty="0" smtClean="0"/>
-              <a:t>, </a:t>
-            </a:r>
-            <a:r>
-              <a:rPr lang="en-US" sz="2200" dirty="0" smtClean="0"/>
-              <a:t>2015 </a:t>
+              <a:t>, 2015 </a:t>
             </a:r>
             <a:endParaRPr lang="en-US" sz="2200" dirty="0"/>
           </a:p>
@@ -5339,11 +5339,7 @@
             </a:r>
             <a:r>
               <a:rPr lang="en-US" dirty="0" smtClean="0"/>
-              <a:t>Steward Observatory, University of </a:t>
-            </a:r>
-            <a:r>
-              <a:rPr lang="en-US" dirty="0" smtClean="0"/>
-              <a:t>Arizona</a:t>
+              <a:t>Steward Observatory, University of Arizona</a:t>
             </a:r>
           </a:p>
           <a:p>
@@ -16867,23 +16863,7 @@
                   <a:schemeClr val="bg1"/>
                 </a:solidFill>
               </a:rPr>
-              <a:t>, Murray-Clay </a:t>
-            </a:r>
-            <a:r>
-              <a:rPr lang="en-US" sz="1400" dirty="0" smtClean="0">
-                <a:solidFill>
-                  <a:schemeClr val="bg1"/>
-                </a:solidFill>
-              </a:rPr>
-              <a:t> </a:t>
-            </a:r>
-            <a:r>
-              <a:rPr lang="en-US" sz="1400" dirty="0" smtClean="0">
-                <a:solidFill>
-                  <a:schemeClr val="bg1"/>
-                </a:solidFill>
-              </a:rPr>
-              <a:t>(2015)</a:t>
+              <a:t>, Murray-Clay  (2015)</a:t>
             </a:r>
             <a:endParaRPr lang="en-US" sz="1400" dirty="0">
               <a:solidFill>
@@ -17054,23 +17034,7 @@
                   <a:schemeClr val="bg1"/>
                 </a:solidFill>
               </a:rPr>
-              <a:t>, Murray-Clay </a:t>
-            </a:r>
-            <a:r>
-              <a:rPr lang="en-US" sz="1400" dirty="0" smtClean="0">
-                <a:solidFill>
-                  <a:schemeClr val="bg1"/>
-                </a:solidFill>
-              </a:rPr>
-              <a:t> </a:t>
-            </a:r>
-            <a:r>
-              <a:rPr lang="en-US" sz="1400" dirty="0" smtClean="0">
-                <a:solidFill>
-                  <a:schemeClr val="bg1"/>
-                </a:solidFill>
-              </a:rPr>
-              <a:t>(2015)</a:t>
+              <a:t>, Murray-Clay  (2015)</a:t>
             </a:r>
             <a:endParaRPr lang="en-US" sz="1400" dirty="0">
               <a:solidFill>
@@ -17245,23 +17209,7 @@
                   <a:schemeClr val="bg1"/>
                 </a:solidFill>
               </a:rPr>
-              <a:t>, Murray-Clay </a:t>
-            </a:r>
-            <a:r>
-              <a:rPr lang="en-US" sz="1400" dirty="0" smtClean="0">
-                <a:solidFill>
-                  <a:schemeClr val="bg1"/>
-                </a:solidFill>
-              </a:rPr>
-              <a:t> </a:t>
-            </a:r>
-            <a:r>
-              <a:rPr lang="en-US" sz="1400" dirty="0" smtClean="0">
-                <a:solidFill>
-                  <a:schemeClr val="bg1"/>
-                </a:solidFill>
-              </a:rPr>
-              <a:t>(2015)</a:t>
+              <a:t>, Murray-Clay  (2015)</a:t>
             </a:r>
             <a:endParaRPr lang="en-US" sz="1400" dirty="0">
               <a:solidFill>
@@ -17489,23 +17437,7 @@
                   <a:schemeClr val="bg1"/>
                 </a:solidFill>
               </a:rPr>
-              <a:t>, Murray-Clay </a:t>
-            </a:r>
-            <a:r>
-              <a:rPr lang="en-US" sz="1400" dirty="0" smtClean="0">
-                <a:solidFill>
-                  <a:schemeClr val="bg1"/>
-                </a:solidFill>
-              </a:rPr>
-              <a:t> </a:t>
-            </a:r>
-            <a:r>
-              <a:rPr lang="en-US" sz="1400" dirty="0" smtClean="0">
-                <a:solidFill>
-                  <a:schemeClr val="bg1"/>
-                </a:solidFill>
-              </a:rPr>
-              <a:t>(2015)</a:t>
+              <a:t>, Murray-Clay  (2015)</a:t>
             </a:r>
             <a:endParaRPr lang="en-US" sz="1400" dirty="0">
               <a:solidFill>
